--- a/docs/CS7387Fall2023_Mirna.pptx
+++ b/docs/CS7387Fall2023_Mirna.pptx
@@ -130,6 +130,11 @@
       </a:defRPr>
     </a:lvl9pPr>
   </p:defaultTextStyle>
+  <p:extLst>
+    <p:ext uri="{EFAFB233-063F-42B5-8137-9DF3F51BA10A}">
+      <p15:sldGuideLst xmlns:p15="http://schemas.microsoft.com/office/powerpoint/2012/main"/>
+    </p:ext>
+  </p:extLst>
 </p:presentation>
 </file>
 
@@ -3710,7 +3715,7 @@
           <a:p>
             <a:fld id="{45A9E664-C11E-4C15-B7EE-153D8E3C959B}" type="datetimeFigureOut">
               <a:rPr lang="en-US" smtClean="0"/>
-              <a:t>12/6/2023</a:t>
+              <a:t>12/7/2023</a:t>
             </a:fld>
             <a:endParaRPr lang="en-US"/>
           </a:p>
@@ -6090,7 +6095,7 @@
           <a:p>
             <a:fld id="{82EDB8D0-98ED-4B86-9D5F-E61ADC70144D}" type="datetimeFigureOut">
               <a:rPr lang="en-US" smtClean="0"/>
-              <a:t>12/5/2023</a:t>
+              <a:t>12/7/2023</a:t>
             </a:fld>
             <a:endParaRPr lang="en-US" dirty="0"/>
           </a:p>
@@ -6505,7 +6510,7 @@
           <a:p>
             <a:fld id="{82EDB8D0-98ED-4B86-9D5F-E61ADC70144D}" type="datetimeFigureOut">
               <a:rPr lang="en-US" smtClean="0"/>
-              <a:t>12/5/2023</a:t>
+              <a:t>12/7/2023</a:t>
             </a:fld>
             <a:endParaRPr lang="en-US"/>
           </a:p>
@@ -6997,7 +7002,7 @@
           <a:p>
             <a:fld id="{82EDB8D0-98ED-4B86-9D5F-E61ADC70144D}" type="datetimeFigureOut">
               <a:rPr lang="en-US" smtClean="0"/>
-              <a:t>12/5/2023</a:t>
+              <a:t>12/7/2023</a:t>
             </a:fld>
             <a:endParaRPr lang="en-US"/>
           </a:p>
@@ -7484,7 +7489,7 @@
           <a:p>
             <a:fld id="{82EDB8D0-98ED-4B86-9D5F-E61ADC70144D}" type="datetimeFigureOut">
               <a:rPr lang="en-US" smtClean="0"/>
-              <a:t>12/5/2023</a:t>
+              <a:t>12/7/2023</a:t>
             </a:fld>
             <a:endParaRPr lang="en-US" dirty="0"/>
           </a:p>
@@ -8253,7 +8258,7 @@
           <a:p>
             <a:fld id="{82EDB8D0-98ED-4B86-9D5F-E61ADC70144D}" type="datetimeFigureOut">
               <a:rPr lang="en-US" smtClean="0"/>
-              <a:t>12/5/2023</a:t>
+              <a:t>12/7/2023</a:t>
             </a:fld>
             <a:endParaRPr lang="en-US"/>
           </a:p>
@@ -8735,7 +8740,7 @@
           <a:p>
             <a:fld id="{82EDB8D0-98ED-4B86-9D5F-E61ADC70144D}" type="datetimeFigureOut">
               <a:rPr lang="en-US" smtClean="0"/>
-              <a:t>12/5/2023</a:t>
+              <a:t>12/7/2023</a:t>
             </a:fld>
             <a:endParaRPr lang="en-US"/>
           </a:p>
@@ -9431,7 +9436,7 @@
           <a:p>
             <a:fld id="{82EDB8D0-98ED-4B86-9D5F-E61ADC70144D}" type="datetimeFigureOut">
               <a:rPr lang="en-US" smtClean="0"/>
-              <a:t>12/5/2023</a:t>
+              <a:t>12/7/2023</a:t>
             </a:fld>
             <a:endParaRPr lang="en-US"/>
           </a:p>
@@ -9856,7 +9861,7 @@
           <a:p>
             <a:fld id="{82EDB8D0-98ED-4B86-9D5F-E61ADC70144D}" type="datetimeFigureOut">
               <a:rPr lang="en-US" smtClean="0"/>
-              <a:t>12/5/2023</a:t>
+              <a:t>12/7/2023</a:t>
             </a:fld>
             <a:endParaRPr lang="en-US"/>
           </a:p>
@@ -10253,7 +10258,7 @@
           <a:p>
             <a:fld id="{82EDB8D0-98ED-4B86-9D5F-E61ADC70144D}" type="datetimeFigureOut">
               <a:rPr lang="en-US" smtClean="0"/>
-              <a:t>12/5/2023</a:t>
+              <a:t>12/7/2023</a:t>
             </a:fld>
             <a:endParaRPr lang="en-US"/>
           </a:p>
@@ -10848,7 +10853,7 @@
           <a:p>
             <a:fld id="{82EDB8D0-98ED-4B86-9D5F-E61ADC70144D}" type="datetimeFigureOut">
               <a:rPr lang="en-US" smtClean="0"/>
-              <a:t>12/5/2023</a:t>
+              <a:t>12/7/2023</a:t>
             </a:fld>
             <a:endParaRPr lang="en-US"/>
           </a:p>
@@ -11423,7 +11428,7 @@
           <a:p>
             <a:fld id="{82EDB8D0-98ED-4B86-9D5F-E61ADC70144D}" type="datetimeFigureOut">
               <a:rPr lang="en-US" smtClean="0"/>
-              <a:t>12/5/2023</a:t>
+              <a:t>12/7/2023</a:t>
             </a:fld>
             <a:endParaRPr lang="en-US"/>
           </a:p>
@@ -11950,7 +11955,7 @@
             <a:fld id="{82EDB8D0-98ED-4B86-9D5F-E61ADC70144D}" type="datetimeFigureOut">
               <a:rPr lang="en-US" smtClean="0"/>
               <a:pPr/>
-              <a:t>12/5/2023</a:t>
+              <a:t>12/7/2023</a:t>
             </a:fld>
             <a:endParaRPr lang="en-US" dirty="0"/>
           </a:p>
